--- a/cocos2d/Pong2/res/imagens.pptx
+++ b/cocos2d/Pong2/res/imagens.pptx
@@ -5,12 +5,14 @@
     <p:sldMasterId id="2147483648" r:id="rId1"/>
   </p:sldMasterIdLst>
   <p:notesMasterIdLst>
-    <p:notesMasterId r:id="rId5"/>
+    <p:notesMasterId r:id="rId7"/>
   </p:notesMasterIdLst>
   <p:sldIdLst>
     <p:sldId id="264" r:id="rId2"/>
     <p:sldId id="265" r:id="rId3"/>
     <p:sldId id="266" r:id="rId4"/>
+    <p:sldId id="268" r:id="rId5"/>
+    <p:sldId id="267" r:id="rId6"/>
   </p:sldIdLst>
   <p:sldSz cx="9144000" cy="6858000" type="screen4x3"/>
   <p:notesSz cx="6858000" cy="9144000"/>
@@ -194,7 +196,7 @@
           <a:p>
             <a:fld id="{CBCC9AFD-6330-4626-B0FB-F7ACDEC7EEF4}" type="datetimeFigureOut">
               <a:rPr lang="pt-BR" smtClean="0"/>
-              <a:t>29/01/2014</a:t>
+              <a:t>03/02/2014</a:t>
             </a:fld>
             <a:endParaRPr lang="pt-BR"/>
           </a:p>
@@ -714,6 +716,90 @@
 </p:notes>
 </file>
 
+<file path=ppt/notesSlides/notesSlide4.xml><?xml version="1.0" encoding="utf-8"?>
+<p:notes xmlns:a="http://schemas.openxmlformats.org/drawingml/2006/main" xmlns:r="http://schemas.openxmlformats.org/officeDocument/2006/relationships" xmlns:p="http://schemas.openxmlformats.org/presentationml/2006/main">
+  <p:cSld>
+    <p:spTree>
+      <p:nvGrpSpPr>
+        <p:cNvPr id="1" name=""/>
+        <p:cNvGrpSpPr/>
+        <p:nvPr/>
+      </p:nvGrpSpPr>
+      <p:grpSpPr>
+        <a:xfrm>
+          <a:off x="0" y="0"/>
+          <a:ext cx="0" cy="0"/>
+          <a:chOff x="0" y="0"/>
+          <a:chExt cx="0" cy="0"/>
+        </a:xfrm>
+      </p:grpSpPr>
+      <p:sp>
+        <p:nvSpPr>
+          <p:cNvPr id="2" name="Espaço Reservado para Imagem de Slide 1"/>
+          <p:cNvSpPr>
+            <a:spLocks noGrp="1" noRot="1" noChangeAspect="1"/>
+          </p:cNvSpPr>
+          <p:nvPr>
+            <p:ph type="sldImg"/>
+          </p:nvPr>
+        </p:nvSpPr>
+        <p:spPr/>
+      </p:sp>
+      <p:sp>
+        <p:nvSpPr>
+          <p:cNvPr id="3" name="Espaço Reservado para Anotações 2"/>
+          <p:cNvSpPr>
+            <a:spLocks noGrp="1"/>
+          </p:cNvSpPr>
+          <p:nvPr>
+            <p:ph type="body" idx="1"/>
+          </p:nvPr>
+        </p:nvSpPr>
+        <p:spPr/>
+        <p:txBody>
+          <a:bodyPr/>
+          <a:lstStyle/>
+          <a:p>
+            <a:endParaRPr lang="pt-BR" dirty="0"/>
+          </a:p>
+        </p:txBody>
+      </p:sp>
+      <p:sp>
+        <p:nvSpPr>
+          <p:cNvPr id="4" name="Espaço Reservado para Número de Slide 3"/>
+          <p:cNvSpPr>
+            <a:spLocks noGrp="1"/>
+          </p:cNvSpPr>
+          <p:nvPr>
+            <p:ph type="sldNum" sz="quarter" idx="10"/>
+          </p:nvPr>
+        </p:nvSpPr>
+        <p:spPr/>
+        <p:txBody>
+          <a:bodyPr/>
+          <a:lstStyle/>
+          <a:p>
+            <a:fld id="{DC64236F-17B2-49A7-A46B-DB6D97EBDE58}" type="slidenum">
+              <a:rPr lang="pt-BR" smtClean="0"/>
+              <a:t>4</a:t>
+            </a:fld>
+            <a:endParaRPr lang="pt-BR"/>
+          </a:p>
+        </p:txBody>
+      </p:sp>
+    </p:spTree>
+    <p:extLst>
+      <p:ext uri="{BB962C8B-B14F-4D97-AF65-F5344CB8AC3E}">
+        <p14:creationId xmlns:p14="http://schemas.microsoft.com/office/powerpoint/2010/main" val="2933724847"/>
+      </p:ext>
+    </p:extLst>
+  </p:cSld>
+  <p:clrMapOvr>
+    <a:masterClrMapping/>
+  </p:clrMapOvr>
+</p:notes>
+</file>
+
 <file path=ppt/slideLayouts/slideLayout1.xml><?xml version="1.0" encoding="utf-8"?>
 <p:sldLayout xmlns:a="http://schemas.openxmlformats.org/drawingml/2006/main" xmlns:r="http://schemas.openxmlformats.org/officeDocument/2006/relationships" xmlns:p="http://schemas.openxmlformats.org/presentationml/2006/main" type="title" preserve="1">
   <p:cSld name="Slide de título">
@@ -895,7 +981,7 @@
           <a:p>
             <a:fld id="{D387748A-9E67-47D0-AEF9-2DFB5DA08CB1}" type="datetimeFigureOut">
               <a:rPr lang="pt-BR" smtClean="0"/>
-              <a:t>29/01/2014</a:t>
+              <a:t>03/02/2014</a:t>
             </a:fld>
             <a:endParaRPr lang="pt-BR"/>
           </a:p>
@@ -1065,7 +1151,7 @@
           <a:p>
             <a:fld id="{D387748A-9E67-47D0-AEF9-2DFB5DA08CB1}" type="datetimeFigureOut">
               <a:rPr lang="pt-BR" smtClean="0"/>
-              <a:t>29/01/2014</a:t>
+              <a:t>03/02/2014</a:t>
             </a:fld>
             <a:endParaRPr lang="pt-BR"/>
           </a:p>
@@ -1245,7 +1331,7 @@
           <a:p>
             <a:fld id="{D387748A-9E67-47D0-AEF9-2DFB5DA08CB1}" type="datetimeFigureOut">
               <a:rPr lang="pt-BR" smtClean="0"/>
-              <a:t>29/01/2014</a:t>
+              <a:t>03/02/2014</a:t>
             </a:fld>
             <a:endParaRPr lang="pt-BR"/>
           </a:p>
@@ -1415,7 +1501,7 @@
           <a:p>
             <a:fld id="{D387748A-9E67-47D0-AEF9-2DFB5DA08CB1}" type="datetimeFigureOut">
               <a:rPr lang="pt-BR" smtClean="0"/>
-              <a:t>29/01/2014</a:t>
+              <a:t>03/02/2014</a:t>
             </a:fld>
             <a:endParaRPr lang="pt-BR"/>
           </a:p>
@@ -1661,7 +1747,7 @@
           <a:p>
             <a:fld id="{D387748A-9E67-47D0-AEF9-2DFB5DA08CB1}" type="datetimeFigureOut">
               <a:rPr lang="pt-BR" smtClean="0"/>
-              <a:t>29/01/2014</a:t>
+              <a:t>03/02/2014</a:t>
             </a:fld>
             <a:endParaRPr lang="pt-BR"/>
           </a:p>
@@ -1949,7 +2035,7 @@
           <a:p>
             <a:fld id="{D387748A-9E67-47D0-AEF9-2DFB5DA08CB1}" type="datetimeFigureOut">
               <a:rPr lang="pt-BR" smtClean="0"/>
-              <a:t>29/01/2014</a:t>
+              <a:t>03/02/2014</a:t>
             </a:fld>
             <a:endParaRPr lang="pt-BR"/>
           </a:p>
@@ -2371,7 +2457,7 @@
           <a:p>
             <a:fld id="{D387748A-9E67-47D0-AEF9-2DFB5DA08CB1}" type="datetimeFigureOut">
               <a:rPr lang="pt-BR" smtClean="0"/>
-              <a:t>29/01/2014</a:t>
+              <a:t>03/02/2014</a:t>
             </a:fld>
             <a:endParaRPr lang="pt-BR"/>
           </a:p>
@@ -2489,7 +2575,7 @@
           <a:p>
             <a:fld id="{D387748A-9E67-47D0-AEF9-2DFB5DA08CB1}" type="datetimeFigureOut">
               <a:rPr lang="pt-BR" smtClean="0"/>
-              <a:t>29/01/2014</a:t>
+              <a:t>03/02/2014</a:t>
             </a:fld>
             <a:endParaRPr lang="pt-BR"/>
           </a:p>
@@ -2584,7 +2670,7 @@
           <a:p>
             <a:fld id="{D387748A-9E67-47D0-AEF9-2DFB5DA08CB1}" type="datetimeFigureOut">
               <a:rPr lang="pt-BR" smtClean="0"/>
-              <a:t>29/01/2014</a:t>
+              <a:t>03/02/2014</a:t>
             </a:fld>
             <a:endParaRPr lang="pt-BR"/>
           </a:p>
@@ -2861,7 +2947,7 @@
           <a:p>
             <a:fld id="{D387748A-9E67-47D0-AEF9-2DFB5DA08CB1}" type="datetimeFigureOut">
               <a:rPr lang="pt-BR" smtClean="0"/>
-              <a:t>29/01/2014</a:t>
+              <a:t>03/02/2014</a:t>
             </a:fld>
             <a:endParaRPr lang="pt-BR"/>
           </a:p>
@@ -3114,7 +3200,7 @@
           <a:p>
             <a:fld id="{D387748A-9E67-47D0-AEF9-2DFB5DA08CB1}" type="datetimeFigureOut">
               <a:rPr lang="pt-BR" smtClean="0"/>
-              <a:t>29/01/2014</a:t>
+              <a:t>03/02/2014</a:t>
             </a:fld>
             <a:endParaRPr lang="pt-BR"/>
           </a:p>
@@ -3327,7 +3413,7 @@
           <a:p>
             <a:fld id="{D387748A-9E67-47D0-AEF9-2DFB5DA08CB1}" type="datetimeFigureOut">
               <a:rPr lang="pt-BR" smtClean="0"/>
-              <a:t>29/01/2014</a:t>
+              <a:t>03/02/2014</a:t>
             </a:fld>
             <a:endParaRPr lang="pt-BR"/>
           </a:p>
@@ -4382,16 +4468,6 @@
               </a:rPr>
               <a:t>jogador direito</a:t>
             </a:r>
-            <a:r>
-              <a:rPr lang="pt-BR" sz="3000" dirty="0" smtClean="0">
-                <a:solidFill>
-                  <a:schemeClr val="bg1"/>
-                </a:solidFill>
-                <a:latin typeface="Arcade Normal" panose="00000400000000000000" pitchFamily="1" charset="0"/>
-                <a:cs typeface="Times New Roman" panose="02020603050405020304" pitchFamily="18" charset="0"/>
-              </a:rPr>
-              <a:t/>
-            </a:r>
             <a:br>
               <a:rPr lang="pt-BR" sz="3000" dirty="0" smtClean="0">
                 <a:solidFill>
@@ -4411,16 +4487,6 @@
               </a:rPr>
               <a:t>jogador esquerdo</a:t>
             </a:r>
-            <a:r>
-              <a:rPr lang="pt-BR" sz="3000" dirty="0" smtClean="0">
-                <a:solidFill>
-                  <a:schemeClr val="bg1"/>
-                </a:solidFill>
-                <a:latin typeface="Arcade Normal" panose="00000400000000000000" pitchFamily="1" charset="0"/>
-                <a:cs typeface="Times New Roman" panose="02020603050405020304" pitchFamily="18" charset="0"/>
-              </a:rPr>
-              <a:t/>
-            </a:r>
             <a:br>
               <a:rPr lang="pt-BR" sz="3000" dirty="0" smtClean="0">
                 <a:solidFill>
@@ -4439,16 +4505,6 @@
                 <a:cs typeface="Times New Roman" panose="02020603050405020304" pitchFamily="18" charset="0"/>
               </a:rPr>
               <a:t>som</a:t>
-            </a:r>
-            <a:r>
-              <a:rPr lang="pt-BR" sz="3000" dirty="0" smtClean="0">
-                <a:solidFill>
-                  <a:schemeClr val="bg1"/>
-                </a:solidFill>
-                <a:latin typeface="Arcade Normal" panose="00000400000000000000" pitchFamily="1" charset="0"/>
-                <a:cs typeface="Times New Roman" panose="02020603050405020304" pitchFamily="18" charset="0"/>
-              </a:rPr>
-              <a:t/>
             </a:r>
             <a:br>
               <a:rPr lang="pt-BR" sz="3000" dirty="0" smtClean="0">
@@ -4586,6 +4642,455 @@
       </p:par>
     </p:tnLst>
   </p:timing>
+</p:sld>
+</file>
+
+<file path=ppt/slides/slide4.xml><?xml version="1.0" encoding="utf-8"?>
+<p:sld xmlns:a="http://schemas.openxmlformats.org/drawingml/2006/main" xmlns:r="http://schemas.openxmlformats.org/officeDocument/2006/relationships" xmlns:p="http://schemas.openxmlformats.org/presentationml/2006/main">
+  <p:cSld>
+    <p:spTree>
+      <p:nvGrpSpPr>
+        <p:cNvPr id="1" name=""/>
+        <p:cNvGrpSpPr/>
+        <p:nvPr/>
+      </p:nvGrpSpPr>
+      <p:grpSpPr>
+        <a:xfrm>
+          <a:off x="0" y="0"/>
+          <a:ext cx="0" cy="0"/>
+          <a:chOff x="0" y="0"/>
+          <a:chExt cx="0" cy="0"/>
+        </a:xfrm>
+      </p:grpSpPr>
+      <p:sp>
+        <p:nvSpPr>
+          <p:cNvPr id="2" name="Título 1"/>
+          <p:cNvSpPr>
+            <a:spLocks noGrp="1"/>
+          </p:cNvSpPr>
+          <p:nvPr>
+            <p:ph type="ctrTitle"/>
+          </p:nvPr>
+        </p:nvSpPr>
+        <p:spPr>
+          <a:xfrm>
+            <a:off x="0" y="0"/>
+            <a:ext cx="9144000" cy="6858000"/>
+          </a:xfrm>
+          <a:solidFill>
+            <a:schemeClr val="tx1">
+              <a:lumMod val="75000"/>
+              <a:lumOff val="25000"/>
+            </a:schemeClr>
+          </a:solidFill>
+        </p:spPr>
+        <p:txBody>
+          <a:bodyPr>
+            <a:noAutofit/>
+          </a:bodyPr>
+          <a:lstStyle/>
+          <a:p>
+            <a:pPr>
+              <a:lnSpc>
+                <a:spcPct val="150000"/>
+              </a:lnSpc>
+            </a:pPr>
+            <a:r>
+              <a:rPr lang="pt-BR" sz="6000" dirty="0" smtClean="0">
+                <a:solidFill>
+                  <a:schemeClr val="accent2"/>
+                </a:solidFill>
+                <a:latin typeface="Arcade Rounded" panose="00000400000000000000" pitchFamily="1" charset="0"/>
+              </a:rPr>
+              <a:t>PARABENS!</a:t>
+            </a:r>
+            <a:r>
+              <a:rPr lang="pt-BR" sz="8000" dirty="0" smtClean="0">
+                <a:solidFill>
+                  <a:schemeClr val="accent2"/>
+                </a:solidFill>
+                <a:latin typeface="Arcade Rounded" panose="00000400000000000000" pitchFamily="1" charset="0"/>
+              </a:rPr>
+              <a:t/>
+            </a:r>
+            <a:br>
+              <a:rPr lang="pt-BR" sz="8000" dirty="0" smtClean="0">
+                <a:solidFill>
+                  <a:schemeClr val="accent2"/>
+                </a:solidFill>
+                <a:latin typeface="Arcade Rounded" panose="00000400000000000000" pitchFamily="1" charset="0"/>
+              </a:rPr>
+            </a:br>
+            <a:r>
+              <a:rPr lang="pt-BR" sz="2000" dirty="0">
+                <a:solidFill>
+                  <a:schemeClr val="bg1"/>
+                </a:solidFill>
+                <a:latin typeface="Arcade Rounded" panose="00000400000000000000" pitchFamily="1" charset="0"/>
+              </a:rPr>
+              <a:t/>
+            </a:r>
+            <a:br>
+              <a:rPr lang="pt-BR" sz="2000" dirty="0">
+                <a:solidFill>
+                  <a:schemeClr val="bg1"/>
+                </a:solidFill>
+                <a:latin typeface="Arcade Rounded" panose="00000400000000000000" pitchFamily="1" charset="0"/>
+              </a:rPr>
+            </a:br>
+            <a:r>
+              <a:rPr lang="pt-BR" sz="3000" dirty="0" smtClean="0">
+                <a:solidFill>
+                  <a:schemeClr val="bg1"/>
+                </a:solidFill>
+                <a:latin typeface="Arcade Normal" panose="00000400000000000000" pitchFamily="1" charset="0"/>
+                <a:cs typeface="Times New Roman" panose="02020603050405020304" pitchFamily="18" charset="0"/>
+              </a:rPr>
+              <a:t>JoGADOR ESQERDO,</a:t>
+            </a:r>
+            <a:br>
+              <a:rPr lang="pt-BR" sz="3000" dirty="0" smtClean="0">
+                <a:solidFill>
+                  <a:schemeClr val="bg1"/>
+                </a:solidFill>
+                <a:latin typeface="Arcade Normal" panose="00000400000000000000" pitchFamily="1" charset="0"/>
+                <a:cs typeface="Times New Roman" panose="02020603050405020304" pitchFamily="18" charset="0"/>
+              </a:rPr>
+            </a:br>
+            <a:r>
+              <a:rPr lang="pt-BR" sz="3000" dirty="0" smtClean="0">
+                <a:solidFill>
+                  <a:schemeClr val="bg1"/>
+                </a:solidFill>
+                <a:latin typeface="Arcade Normal" panose="00000400000000000000" pitchFamily="1" charset="0"/>
+                <a:cs typeface="Times New Roman" panose="02020603050405020304" pitchFamily="18" charset="0"/>
+              </a:rPr>
+              <a:t>voce ganhou.</a:t>
+            </a:r>
+            <a:r>
+              <a:rPr lang="pt-BR" sz="3000" dirty="0" smtClean="0">
+                <a:solidFill>
+                  <a:schemeClr val="bg1"/>
+                </a:solidFill>
+                <a:latin typeface="Arcade Normal" panose="00000400000000000000" pitchFamily="1" charset="0"/>
+                <a:cs typeface="Times New Roman" panose="02020603050405020304" pitchFamily="18" charset="0"/>
+              </a:rPr>
+              <a:t/>
+            </a:r>
+            <a:br>
+              <a:rPr lang="pt-BR" sz="3000" dirty="0" smtClean="0">
+                <a:solidFill>
+                  <a:schemeClr val="bg1"/>
+                </a:solidFill>
+                <a:latin typeface="Arcade Normal" panose="00000400000000000000" pitchFamily="1" charset="0"/>
+                <a:cs typeface="Times New Roman" panose="02020603050405020304" pitchFamily="18" charset="0"/>
+              </a:rPr>
+            </a:br>
+            <a:endParaRPr lang="pt-BR" sz="3000" dirty="0">
+              <a:solidFill>
+                <a:schemeClr val="bg1"/>
+              </a:solidFill>
+              <a:latin typeface="Arcade Normal" panose="00000400000000000000" pitchFamily="1" charset="0"/>
+              <a:cs typeface="Times New Roman" panose="02020603050405020304" pitchFamily="18" charset="0"/>
+            </a:endParaRPr>
+          </a:p>
+        </p:txBody>
+      </p:sp>
+      <p:sp>
+        <p:nvSpPr>
+          <p:cNvPr id="3" name="Retângulo 2"/>
+          <p:cNvSpPr/>
+          <p:nvPr/>
+        </p:nvSpPr>
+        <p:spPr>
+          <a:xfrm>
+            <a:off x="60292" y="836712"/>
+            <a:ext cx="323528" cy="2448272"/>
+          </a:xfrm>
+          <a:prstGeom prst="rect">
+            <a:avLst/>
+          </a:prstGeom>
+          <a:solidFill>
+            <a:schemeClr val="accent5">
+              <a:lumMod val="75000"/>
+            </a:schemeClr>
+          </a:solidFill>
+          <a:ln>
+            <a:solidFill>
+              <a:schemeClr val="accent5">
+                <a:lumMod val="75000"/>
+              </a:schemeClr>
+            </a:solidFill>
+          </a:ln>
+        </p:spPr>
+        <p:style>
+          <a:lnRef idx="2">
+            <a:schemeClr val="accent1">
+              <a:shade val="50000"/>
+            </a:schemeClr>
+          </a:lnRef>
+          <a:fillRef idx="1">
+            <a:schemeClr val="accent1"/>
+          </a:fillRef>
+          <a:effectRef idx="0">
+            <a:schemeClr val="accent1"/>
+          </a:effectRef>
+          <a:fontRef idx="minor">
+            <a:schemeClr val="lt1"/>
+          </a:fontRef>
+        </p:style>
+        <p:txBody>
+          <a:bodyPr rtlCol="0" anchor="ctr"/>
+          <a:lstStyle/>
+          <a:p>
+            <a:pPr algn="ctr"/>
+            <a:endParaRPr lang="pt-BR"/>
+          </a:p>
+        </p:txBody>
+      </p:sp>
+      <p:sp>
+        <p:nvSpPr>
+          <p:cNvPr id="4" name="Retângulo 3"/>
+          <p:cNvSpPr/>
+          <p:nvPr/>
+        </p:nvSpPr>
+        <p:spPr>
+          <a:xfrm>
+            <a:off x="8762319" y="3364632"/>
+            <a:ext cx="323528" cy="2448272"/>
+          </a:xfrm>
+          <a:prstGeom prst="rect">
+            <a:avLst/>
+          </a:prstGeom>
+          <a:solidFill>
+            <a:schemeClr val="accent3"/>
+          </a:solidFill>
+          <a:ln>
+            <a:solidFill>
+              <a:schemeClr val="accent3"/>
+            </a:solidFill>
+          </a:ln>
+        </p:spPr>
+        <p:style>
+          <a:lnRef idx="2">
+            <a:schemeClr val="accent1">
+              <a:shade val="50000"/>
+            </a:schemeClr>
+          </a:lnRef>
+          <a:fillRef idx="1">
+            <a:schemeClr val="accent1"/>
+          </a:fillRef>
+          <a:effectRef idx="0">
+            <a:schemeClr val="accent1"/>
+          </a:effectRef>
+          <a:fontRef idx="minor">
+            <a:schemeClr val="lt1"/>
+          </a:fontRef>
+        </p:style>
+        <p:txBody>
+          <a:bodyPr rtlCol="0" anchor="ctr"/>
+          <a:lstStyle/>
+          <a:p>
+            <a:pPr algn="ctr"/>
+            <a:endParaRPr lang="pt-BR"/>
+          </a:p>
+        </p:txBody>
+      </p:sp>
+    </p:spTree>
+    <p:extLst>
+      <p:ext uri="{BB962C8B-B14F-4D97-AF65-F5344CB8AC3E}">
+        <p14:creationId xmlns:p14="http://schemas.microsoft.com/office/powerpoint/2010/main" val="3410626753"/>
+      </p:ext>
+    </p:extLst>
+  </p:cSld>
+  <p:clrMapOvr>
+    <a:masterClrMapping/>
+  </p:clrMapOvr>
+  <p:timing>
+    <p:tnLst>
+      <p:par>
+        <p:cTn id="1" dur="indefinite" restart="never" nodeType="tmRoot"/>
+      </p:par>
+    </p:tnLst>
+  </p:timing>
+</p:sld>
+</file>
+
+<file path=ppt/slides/slide5.xml><?xml version="1.0" encoding="utf-8"?>
+<p:sld xmlns:a="http://schemas.openxmlformats.org/drawingml/2006/main" xmlns:r="http://schemas.openxmlformats.org/officeDocument/2006/relationships" xmlns:p="http://schemas.openxmlformats.org/presentationml/2006/main">
+  <p:cSld>
+    <p:spTree>
+      <p:nvGrpSpPr>
+        <p:cNvPr id="1" name=""/>
+        <p:cNvGrpSpPr/>
+        <p:nvPr/>
+      </p:nvGrpSpPr>
+      <p:grpSpPr>
+        <a:xfrm>
+          <a:off x="0" y="0"/>
+          <a:ext cx="0" cy="0"/>
+          <a:chOff x="0" y="0"/>
+          <a:chExt cx="0" cy="0"/>
+        </a:xfrm>
+      </p:grpSpPr>
+      <p:sp>
+        <p:nvSpPr>
+          <p:cNvPr id="2" name="Retângulo de cantos arredondados 1"/>
+          <p:cNvSpPr/>
+          <p:nvPr/>
+        </p:nvSpPr>
+        <p:spPr>
+          <a:xfrm>
+            <a:off x="1331640" y="836712"/>
+            <a:ext cx="108000" cy="108000"/>
+          </a:xfrm>
+          <a:prstGeom prst="roundRect">
+            <a:avLst/>
+          </a:prstGeom>
+          <a:solidFill>
+            <a:schemeClr val="accent2"/>
+          </a:solidFill>
+          <a:ln>
+            <a:solidFill>
+              <a:schemeClr val="accent2"/>
+            </a:solidFill>
+          </a:ln>
+        </p:spPr>
+        <p:style>
+          <a:lnRef idx="2">
+            <a:schemeClr val="accent1">
+              <a:shade val="50000"/>
+            </a:schemeClr>
+          </a:lnRef>
+          <a:fillRef idx="1">
+            <a:schemeClr val="accent1"/>
+          </a:fillRef>
+          <a:effectRef idx="0">
+            <a:schemeClr val="accent1"/>
+          </a:effectRef>
+          <a:fontRef idx="minor">
+            <a:schemeClr val="lt1"/>
+          </a:fontRef>
+        </p:style>
+        <p:txBody>
+          <a:bodyPr rtlCol="0" anchor="ctr"/>
+          <a:lstStyle/>
+          <a:p>
+            <a:pPr algn="ctr"/>
+            <a:endParaRPr lang="pt-BR"/>
+          </a:p>
+        </p:txBody>
+      </p:sp>
+      <p:sp>
+        <p:nvSpPr>
+          <p:cNvPr id="3" name="Retângulo 2"/>
+          <p:cNvSpPr/>
+          <p:nvPr/>
+        </p:nvSpPr>
+        <p:spPr>
+          <a:xfrm>
+            <a:off x="60292" y="836712"/>
+            <a:ext cx="323528" cy="2448272"/>
+          </a:xfrm>
+          <a:prstGeom prst="rect">
+            <a:avLst/>
+          </a:prstGeom>
+          <a:solidFill>
+            <a:schemeClr val="accent5">
+              <a:lumMod val="75000"/>
+            </a:schemeClr>
+          </a:solidFill>
+          <a:ln>
+            <a:solidFill>
+              <a:schemeClr val="accent5">
+                <a:lumMod val="75000"/>
+              </a:schemeClr>
+            </a:solidFill>
+          </a:ln>
+        </p:spPr>
+        <p:style>
+          <a:lnRef idx="2">
+            <a:schemeClr val="accent1">
+              <a:shade val="50000"/>
+            </a:schemeClr>
+          </a:lnRef>
+          <a:fillRef idx="1">
+            <a:schemeClr val="accent1"/>
+          </a:fillRef>
+          <a:effectRef idx="0">
+            <a:schemeClr val="accent1"/>
+          </a:effectRef>
+          <a:fontRef idx="minor">
+            <a:schemeClr val="lt1"/>
+          </a:fontRef>
+        </p:style>
+        <p:txBody>
+          <a:bodyPr rtlCol="0" anchor="ctr"/>
+          <a:lstStyle/>
+          <a:p>
+            <a:pPr algn="ctr"/>
+            <a:endParaRPr lang="pt-BR"/>
+          </a:p>
+        </p:txBody>
+      </p:sp>
+      <p:sp>
+        <p:nvSpPr>
+          <p:cNvPr id="4" name="Retângulo 3"/>
+          <p:cNvSpPr/>
+          <p:nvPr/>
+        </p:nvSpPr>
+        <p:spPr>
+          <a:xfrm>
+            <a:off x="8762319" y="3364632"/>
+            <a:ext cx="323528" cy="2448272"/>
+          </a:xfrm>
+          <a:prstGeom prst="rect">
+            <a:avLst/>
+          </a:prstGeom>
+          <a:solidFill>
+            <a:schemeClr val="accent3"/>
+          </a:solidFill>
+          <a:ln>
+            <a:solidFill>
+              <a:schemeClr val="accent3"/>
+            </a:solidFill>
+          </a:ln>
+        </p:spPr>
+        <p:style>
+          <a:lnRef idx="2">
+            <a:schemeClr val="accent1">
+              <a:shade val="50000"/>
+            </a:schemeClr>
+          </a:lnRef>
+          <a:fillRef idx="1">
+            <a:schemeClr val="accent1"/>
+          </a:fillRef>
+          <a:effectRef idx="0">
+            <a:schemeClr val="accent1"/>
+          </a:effectRef>
+          <a:fontRef idx="minor">
+            <a:schemeClr val="lt1"/>
+          </a:fontRef>
+        </p:style>
+        <p:txBody>
+          <a:bodyPr rtlCol="0" anchor="ctr"/>
+          <a:lstStyle/>
+          <a:p>
+            <a:pPr algn="ctr"/>
+            <a:endParaRPr lang="pt-BR"/>
+          </a:p>
+        </p:txBody>
+      </p:sp>
+    </p:spTree>
+    <p:extLst>
+      <p:ext uri="{BB962C8B-B14F-4D97-AF65-F5344CB8AC3E}">
+        <p14:creationId xmlns:p14="http://schemas.microsoft.com/office/powerpoint/2010/main" val="122021324"/>
+      </p:ext>
+    </p:extLst>
+  </p:cSld>
+  <p:clrMapOvr>
+    <a:masterClrMapping/>
+  </p:clrMapOvr>
 </p:sld>
 </file>
 
